--- a/.presentation/analytics.pptx
+++ b/.presentation/analytics.pptx
@@ -6,11 +6,11 @@
   </p:sldMasterIdLst>
   <p:sldIdLst>
     <p:sldId id="257" r:id="rId2"/>
-    <p:sldId id="263" r:id="rId3"/>
-    <p:sldId id="261" r:id="rId4"/>
-    <p:sldId id="264" r:id="rId5"/>
-    <p:sldId id="258" r:id="rId6"/>
-    <p:sldId id="265" r:id="rId7"/>
+    <p:sldId id="266" r:id="rId3"/>
+    <p:sldId id="258" r:id="rId4"/>
+    <p:sldId id="261" r:id="rId5"/>
+    <p:sldId id="263" r:id="rId6"/>
+    <p:sldId id="264" r:id="rId7"/>
     <p:sldId id="262" r:id="rId8"/>
   </p:sldIdLst>
   <p:sldSz cx="12192000" cy="6858000"/>
@@ -265,7 +265,7 @@
           <a:p>
             <a:fld id="{AD49C21B-D9E9-4691-B549-8AAB202A74EA}" type="datetimeFigureOut">
               <a:rPr lang="en-US" smtClean="0"/>
-              <a:t>2023-05-11</a:t>
+              <a:t>2023-05-12</a:t>
             </a:fld>
             <a:endParaRPr lang="en-US"/>
           </a:p>
@@ -463,7 +463,7 @@
           <a:p>
             <a:fld id="{AD49C21B-D9E9-4691-B549-8AAB202A74EA}" type="datetimeFigureOut">
               <a:rPr lang="en-US" smtClean="0"/>
-              <a:t>2023-05-11</a:t>
+              <a:t>2023-05-12</a:t>
             </a:fld>
             <a:endParaRPr lang="en-US"/>
           </a:p>
@@ -671,7 +671,7 @@
           <a:p>
             <a:fld id="{AD49C21B-D9E9-4691-B549-8AAB202A74EA}" type="datetimeFigureOut">
               <a:rPr lang="en-US" smtClean="0"/>
-              <a:t>2023-05-11</a:t>
+              <a:t>2023-05-12</a:t>
             </a:fld>
             <a:endParaRPr lang="en-US"/>
           </a:p>
@@ -869,7 +869,7 @@
           <a:p>
             <a:fld id="{AD49C21B-D9E9-4691-B549-8AAB202A74EA}" type="datetimeFigureOut">
               <a:rPr lang="en-US" smtClean="0"/>
-              <a:t>2023-05-11</a:t>
+              <a:t>2023-05-12</a:t>
             </a:fld>
             <a:endParaRPr lang="en-US"/>
           </a:p>
@@ -1144,7 +1144,7 @@
           <a:p>
             <a:fld id="{AD49C21B-D9E9-4691-B549-8AAB202A74EA}" type="datetimeFigureOut">
               <a:rPr lang="en-US" smtClean="0"/>
-              <a:t>2023-05-11</a:t>
+              <a:t>2023-05-12</a:t>
             </a:fld>
             <a:endParaRPr lang="en-US"/>
           </a:p>
@@ -1409,7 +1409,7 @@
           <a:p>
             <a:fld id="{AD49C21B-D9E9-4691-B549-8AAB202A74EA}" type="datetimeFigureOut">
               <a:rPr lang="en-US" smtClean="0"/>
-              <a:t>2023-05-11</a:t>
+              <a:t>2023-05-12</a:t>
             </a:fld>
             <a:endParaRPr lang="en-US"/>
           </a:p>
@@ -1821,7 +1821,7 @@
           <a:p>
             <a:fld id="{AD49C21B-D9E9-4691-B549-8AAB202A74EA}" type="datetimeFigureOut">
               <a:rPr lang="en-US" smtClean="0"/>
-              <a:t>2023-05-11</a:t>
+              <a:t>2023-05-12</a:t>
             </a:fld>
             <a:endParaRPr lang="en-US"/>
           </a:p>
@@ -1962,7 +1962,7 @@
           <a:p>
             <a:fld id="{AD49C21B-D9E9-4691-B549-8AAB202A74EA}" type="datetimeFigureOut">
               <a:rPr lang="en-US" smtClean="0"/>
-              <a:t>2023-05-11</a:t>
+              <a:t>2023-05-12</a:t>
             </a:fld>
             <a:endParaRPr lang="en-US"/>
           </a:p>
@@ -2075,7 +2075,7 @@
           <a:p>
             <a:fld id="{AD49C21B-D9E9-4691-B549-8AAB202A74EA}" type="datetimeFigureOut">
               <a:rPr lang="en-US" smtClean="0"/>
-              <a:t>2023-05-11</a:t>
+              <a:t>2023-05-12</a:t>
             </a:fld>
             <a:endParaRPr lang="en-US"/>
           </a:p>
@@ -2386,7 +2386,7 @@
           <a:p>
             <a:fld id="{AD49C21B-D9E9-4691-B549-8AAB202A74EA}" type="datetimeFigureOut">
               <a:rPr lang="en-US" smtClean="0"/>
-              <a:t>2023-05-11</a:t>
+              <a:t>2023-05-12</a:t>
             </a:fld>
             <a:endParaRPr lang="en-US"/>
           </a:p>
@@ -2674,7 +2674,7 @@
           <a:p>
             <a:fld id="{AD49C21B-D9E9-4691-B549-8AAB202A74EA}" type="datetimeFigureOut">
               <a:rPr lang="en-US" smtClean="0"/>
-              <a:t>2023-05-11</a:t>
+              <a:t>2023-05-12</a:t>
             </a:fld>
             <a:endParaRPr lang="en-US"/>
           </a:p>
@@ -2915,7 +2915,7 @@
           <a:p>
             <a:fld id="{AD49C21B-D9E9-4691-B549-8AAB202A74EA}" type="datetimeFigureOut">
               <a:rPr lang="en-US" smtClean="0"/>
-              <a:t>2023-05-11</a:t>
+              <a:t>2023-05-12</a:t>
             </a:fld>
             <a:endParaRPr lang="en-US"/>
           </a:p>
@@ -3361,47 +3361,6 @@
             <a:avLst/>
           </a:prstGeom>
           <a:solidFill>
-            <a:srgbClr val="2274A5"/>
-          </a:solidFill>
-        </p:spPr>
-        <p:txBody>
-          <a:bodyPr wrap="square" rtlCol="0">
-            <a:spAutoFit/>
-          </a:bodyPr>
-          <a:lstStyle/>
-          <a:p>
-            <a:r>
-              <a:rPr lang="en-US" sz="3200" dirty="0">
-                <a:solidFill>
-                  <a:schemeClr val="bg1"/>
-                </a:solidFill>
-              </a:rPr>
-              <a:t>Analytics </a:t>
-            </a:r>
-          </a:p>
-        </p:txBody>
-      </p:sp>
-      <p:sp>
-        <p:nvSpPr>
-          <p:cNvPr id="5" name="TextBox 4">
-            <a:extLst>
-              <a:ext uri="{FF2B5EF4-FFF2-40B4-BE49-F238E27FC236}">
-                <a16:creationId xmlns:a16="http://schemas.microsoft.com/office/drawing/2014/main" id="{A133FB2A-DDB5-B32D-ED68-C6A2484E929F}"/>
-              </a:ext>
-            </a:extLst>
-          </p:cNvPr>
-          <p:cNvSpPr txBox="1"/>
-          <p:nvPr/>
-        </p:nvSpPr>
-        <p:spPr>
-          <a:xfrm>
-            <a:off x="3063551" y="365124"/>
-            <a:ext cx="3657600" cy="584775"/>
-          </a:xfrm>
-          <a:prstGeom prst="rect">
-            <a:avLst/>
-          </a:prstGeom>
-          <a:solidFill>
             <a:schemeClr val="accent6">
               <a:lumMod val="75000"/>
             </a:schemeClr>
@@ -3555,7 +3514,284 @@
                   <a:schemeClr val="bg1"/>
                 </a:solidFill>
               </a:rPr>
-              <a:t>Analytics </a:t>
+              <a:t>Idea </a:t>
+            </a:r>
+          </a:p>
+        </p:txBody>
+      </p:sp>
+      <p:sp>
+        <p:nvSpPr>
+          <p:cNvPr id="3" name="TextBox 2">
+            <a:extLst>
+              <a:ext uri="{FF2B5EF4-FFF2-40B4-BE49-F238E27FC236}">
+                <a16:creationId xmlns:a16="http://schemas.microsoft.com/office/drawing/2014/main" id="{CBA8205E-8223-91D1-712B-3CD461129B26}"/>
+              </a:ext>
+            </a:extLst>
+          </p:cNvPr>
+          <p:cNvSpPr txBox="1"/>
+          <p:nvPr/>
+        </p:nvSpPr>
+        <p:spPr>
+          <a:xfrm>
+            <a:off x="336679" y="1194319"/>
+            <a:ext cx="11855321" cy="2677656"/>
+          </a:xfrm>
+          <a:prstGeom prst="rect">
+            <a:avLst/>
+          </a:prstGeom>
+          <a:noFill/>
+        </p:spPr>
+        <p:txBody>
+          <a:bodyPr wrap="square" rtlCol="0">
+            <a:spAutoFit/>
+          </a:bodyPr>
+          <a:lstStyle/>
+          <a:p>
+            <a:r>
+              <a:rPr lang="en-US" sz="2400" dirty="0">
+                <a:solidFill>
+                  <a:schemeClr val="bg1"/>
+                </a:solidFill>
+              </a:rPr>
+              <a:t>The core problem:</a:t>
+            </a:r>
+          </a:p>
+          <a:p>
+            <a:r>
+              <a:rPr lang="en-US" sz="2400" dirty="0">
+                <a:solidFill>
+                  <a:schemeClr val="bg1"/>
+                </a:solidFill>
+              </a:rPr>
+              <a:t>	- Find places with lots of people (</a:t>
+            </a:r>
+            <a:r>
+              <a:rPr lang="en-US" sz="2400" u="sng" dirty="0">
+                <a:solidFill>
+                  <a:srgbClr val="C00000"/>
+                </a:solidFill>
+              </a:rPr>
+              <a:t>◼ </a:t>
+            </a:r>
+            <a:r>
+              <a:rPr lang="en-US" sz="2400" b="1" u="sng" dirty="0">
+                <a:solidFill>
+                  <a:schemeClr val="bg1"/>
+                </a:solidFill>
+              </a:rPr>
+              <a:t>Hot Zones</a:t>
+            </a:r>
+            <a:r>
+              <a:rPr lang="en-US" sz="2400" dirty="0">
+                <a:solidFill>
+                  <a:schemeClr val="bg1"/>
+                </a:solidFill>
+              </a:rPr>
+              <a:t>);</a:t>
+            </a:r>
+          </a:p>
+          <a:p>
+            <a:r>
+              <a:rPr lang="en-US" sz="2400" dirty="0">
+                <a:solidFill>
+                  <a:schemeClr val="bg1"/>
+                </a:solidFill>
+              </a:rPr>
+              <a:t>	- Find places without people (</a:t>
+            </a:r>
+            <a:r>
+              <a:rPr lang="en-US" sz="2400" u="sng" dirty="0">
+                <a:solidFill>
+                  <a:schemeClr val="accent1">
+                    <a:lumMod val="20000"/>
+                    <a:lumOff val="80000"/>
+                  </a:schemeClr>
+                </a:solidFill>
+              </a:rPr>
+              <a:t>◼ </a:t>
+            </a:r>
+            <a:r>
+              <a:rPr lang="en-US" sz="2400" b="1" u="sng" dirty="0">
+                <a:solidFill>
+                  <a:schemeClr val="bg1"/>
+                </a:solidFill>
+              </a:rPr>
+              <a:t>Cold Zones</a:t>
+            </a:r>
+            <a:r>
+              <a:rPr lang="en-US" sz="2400" dirty="0">
+                <a:solidFill>
+                  <a:schemeClr val="bg1"/>
+                </a:solidFill>
+              </a:rPr>
+              <a:t>);</a:t>
+            </a:r>
+          </a:p>
+          <a:p>
+            <a:endParaRPr lang="en-US" sz="2400" dirty="0">
+              <a:solidFill>
+                <a:schemeClr val="bg1"/>
+              </a:solidFill>
+            </a:endParaRPr>
+          </a:p>
+          <a:p>
+            <a:r>
+              <a:rPr lang="en-US" sz="2400" dirty="0">
+                <a:solidFill>
+                  <a:schemeClr val="bg1"/>
+                </a:solidFill>
+              </a:rPr>
+              <a:t>After that we can:</a:t>
+            </a:r>
+          </a:p>
+          <a:p>
+            <a:r>
+              <a:rPr lang="en-US" sz="2400" dirty="0">
+                <a:solidFill>
+                  <a:schemeClr val="bg1"/>
+                </a:solidFill>
+              </a:rPr>
+              <a:t>	- Improve </a:t>
+            </a:r>
+            <a:r>
+              <a:rPr lang="en-US" sz="2400" u="sng" dirty="0">
+                <a:solidFill>
+                  <a:srgbClr val="C00000"/>
+                </a:solidFill>
+              </a:rPr>
+              <a:t>◼ </a:t>
+            </a:r>
+            <a:r>
+              <a:rPr lang="en-US" sz="2400" u="sng" dirty="0">
+                <a:solidFill>
+                  <a:schemeClr val="bg1"/>
+                </a:solidFill>
+              </a:rPr>
+              <a:t>Hot Zones</a:t>
+            </a:r>
+            <a:r>
+              <a:rPr lang="en-US" sz="2400" dirty="0">
+                <a:solidFill>
+                  <a:schemeClr val="bg1"/>
+                </a:solidFill>
+              </a:rPr>
+              <a:t>;</a:t>
+            </a:r>
+          </a:p>
+          <a:p>
+            <a:r>
+              <a:rPr lang="en-US" sz="2400" dirty="0">
+                <a:solidFill>
+                  <a:schemeClr val="bg1"/>
+                </a:solidFill>
+              </a:rPr>
+              <a:t>	- Investigate why </a:t>
+            </a:r>
+            <a:r>
+              <a:rPr lang="en-US" sz="2400" u="sng" dirty="0">
+                <a:solidFill>
+                  <a:schemeClr val="accent1">
+                    <a:lumMod val="20000"/>
+                    <a:lumOff val="80000"/>
+                  </a:schemeClr>
+                </a:solidFill>
+              </a:rPr>
+              <a:t>◼ </a:t>
+            </a:r>
+            <a:r>
+              <a:rPr lang="en-US" sz="2400" u="sng" dirty="0">
+                <a:solidFill>
+                  <a:schemeClr val="bg1"/>
+                </a:solidFill>
+              </a:rPr>
+              <a:t>Cold Zones</a:t>
+            </a:r>
+            <a:r>
+              <a:rPr lang="en-US" sz="2400" dirty="0">
+                <a:solidFill>
+                  <a:schemeClr val="bg1"/>
+                </a:solidFill>
+              </a:rPr>
+              <a:t> are so unpopular;</a:t>
+            </a:r>
+          </a:p>
+        </p:txBody>
+      </p:sp>
+    </p:spTree>
+    <p:extLst>
+      <p:ext uri="{BB962C8B-B14F-4D97-AF65-F5344CB8AC3E}">
+        <p14:creationId xmlns:p14="http://schemas.microsoft.com/office/powerpoint/2010/main" val="219447382"/>
+      </p:ext>
+    </p:extLst>
+  </p:cSld>
+  <p:clrMapOvr>
+    <a:masterClrMapping/>
+  </p:clrMapOvr>
+</p:sld>
+</file>
+
+<file path=ppt/slides/slide3.xml><?xml version="1.0" encoding="utf-8"?>
+<p:sld xmlns:a="http://schemas.openxmlformats.org/drawingml/2006/main" xmlns:r="http://schemas.openxmlformats.org/officeDocument/2006/relationships" xmlns:p="http://schemas.openxmlformats.org/presentationml/2006/main">
+  <p:cSld>
+    <p:bg>
+      <p:bgPr>
+        <a:solidFill>
+          <a:srgbClr val="111111"/>
+        </a:solidFill>
+        <a:effectLst/>
+      </p:bgPr>
+    </p:bg>
+    <p:spTree>
+      <p:nvGrpSpPr>
+        <p:cNvPr id="1" name=""/>
+        <p:cNvGrpSpPr/>
+        <p:nvPr/>
+      </p:nvGrpSpPr>
+      <p:grpSpPr>
+        <a:xfrm>
+          <a:off x="0" y="0"/>
+          <a:ext cx="0" cy="0"/>
+          <a:chOff x="0" y="0"/>
+          <a:chExt cx="0" cy="0"/>
+        </a:xfrm>
+      </p:grpSpPr>
+      <p:sp>
+        <p:nvSpPr>
+          <p:cNvPr id="4" name="TextBox 3">
+            <a:extLst>
+              <a:ext uri="{FF2B5EF4-FFF2-40B4-BE49-F238E27FC236}">
+                <a16:creationId xmlns:a16="http://schemas.microsoft.com/office/drawing/2014/main" id="{B9468F09-1FBD-E59C-5C0F-E06582FE8488}"/>
+              </a:ext>
+            </a:extLst>
+          </p:cNvPr>
+          <p:cNvSpPr txBox="1"/>
+          <p:nvPr/>
+        </p:nvSpPr>
+        <p:spPr>
+          <a:xfrm>
+            <a:off x="336679" y="365125"/>
+            <a:ext cx="2574472" cy="584775"/>
+          </a:xfrm>
+          <a:prstGeom prst="rect">
+            <a:avLst/>
+          </a:prstGeom>
+          <a:solidFill>
+            <a:srgbClr val="2274A5"/>
+          </a:solidFill>
+        </p:spPr>
+        <p:txBody>
+          <a:bodyPr wrap="square" rtlCol="0">
+            <a:spAutoFit/>
+          </a:bodyPr>
+          <a:lstStyle/>
+          <a:p>
+            <a:r>
+              <a:rPr lang="en-US" sz="3200" dirty="0">
+                <a:solidFill>
+                  <a:schemeClr val="bg1"/>
+                </a:solidFill>
+              </a:rPr>
+              <a:t>To illustrate…</a:t>
             </a:r>
           </a:p>
         </p:txBody>
@@ -3575,7 +3811,7 @@
         <p:spPr>
           <a:xfrm>
             <a:off x="3063550" y="365124"/>
-            <a:ext cx="5707226" cy="584775"/>
+            <a:ext cx="4042099" cy="584775"/>
           </a:xfrm>
           <a:prstGeom prst="rect">
             <a:avLst/>
@@ -3598,7 +3834,635 @@
                   <a:schemeClr val="bg1"/>
                 </a:solidFill>
               </a:rPr>
+              <a:t>“Two toilets problem”</a:t>
+            </a:r>
+          </a:p>
+        </p:txBody>
+      </p:sp>
+      <p:pic>
+        <p:nvPicPr>
+          <p:cNvPr id="3" name="Picture 2" descr="A picture containing text, diagram, plan, schematic">
+            <a:extLst>
+              <a:ext uri="{FF2B5EF4-FFF2-40B4-BE49-F238E27FC236}">
+                <a16:creationId xmlns:a16="http://schemas.microsoft.com/office/drawing/2014/main" id="{28849ED8-D5D7-FBF6-9F83-B7FB7C7FC0F7}"/>
+              </a:ext>
+            </a:extLst>
+          </p:cNvPr>
+          <p:cNvPicPr>
+            <a:picLocks noChangeAspect="1"/>
+          </p:cNvPicPr>
+          <p:nvPr/>
+        </p:nvPicPr>
+        <p:blipFill>
+          <a:blip r:embed="rId2">
+            <a:extLst>
+              <a:ext uri="{28A0092B-C50C-407E-A947-70E740481C1C}">
+                <a14:useLocalDpi xmlns:a14="http://schemas.microsoft.com/office/drawing/2010/main" val="0"/>
+              </a:ext>
+            </a:extLst>
+          </a:blip>
+          <a:stretch>
+            <a:fillRect/>
+          </a:stretch>
+        </p:blipFill>
+        <p:spPr>
+          <a:xfrm>
+            <a:off x="1964354" y="1692418"/>
+            <a:ext cx="8263291" cy="3473164"/>
+          </a:xfrm>
+          <a:prstGeom prst="rect">
+            <a:avLst/>
+          </a:prstGeom>
+        </p:spPr>
+      </p:pic>
+      <p:sp>
+        <p:nvSpPr>
+          <p:cNvPr id="8" name="TextBox 7">
+            <a:extLst>
+              <a:ext uri="{FF2B5EF4-FFF2-40B4-BE49-F238E27FC236}">
+                <a16:creationId xmlns:a16="http://schemas.microsoft.com/office/drawing/2014/main" id="{3C65EB73-FD58-36AC-F564-F7CE1C0F4BDA}"/>
+              </a:ext>
+            </a:extLst>
+          </p:cNvPr>
+          <p:cNvSpPr txBox="1"/>
+          <p:nvPr/>
+        </p:nvSpPr>
+        <p:spPr>
+          <a:xfrm>
+            <a:off x="14125" y="1692418"/>
+            <a:ext cx="1949321" cy="1569660"/>
+          </a:xfrm>
+          <a:prstGeom prst="rect">
+            <a:avLst/>
+          </a:prstGeom>
+          <a:noFill/>
+        </p:spPr>
+        <p:txBody>
+          <a:bodyPr wrap="square">
+            <a:spAutoFit/>
+          </a:bodyPr>
+          <a:lstStyle/>
+          <a:p>
+            <a:pPr algn="ctr"/>
+            <a:r>
+              <a:rPr lang="en-US" sz="2400" dirty="0">
+                <a:solidFill>
+                  <a:schemeClr val="bg1"/>
+                </a:solidFill>
+              </a:rPr>
+              <a:t>Extremely unpopular</a:t>
+            </a:r>
+          </a:p>
+          <a:p>
+            <a:pPr algn="ctr"/>
+            <a:r>
+              <a:rPr lang="en-US" sz="2400" dirty="0">
+                <a:solidFill>
+                  <a:schemeClr val="bg1"/>
+                </a:solidFill>
+              </a:rPr>
+              <a:t>toilet</a:t>
+            </a:r>
+          </a:p>
+          <a:p>
+            <a:pPr algn="ctr"/>
+            <a:r>
+              <a:rPr lang="en-US" sz="2400" dirty="0">
+                <a:solidFill>
+                  <a:schemeClr val="bg1"/>
+                </a:solidFill>
+              </a:rPr>
+              <a:t>(cold zone);</a:t>
+            </a:r>
+          </a:p>
+        </p:txBody>
+      </p:sp>
+      <p:sp>
+        <p:nvSpPr>
+          <p:cNvPr id="11" name="TextBox 10">
+            <a:extLst>
+              <a:ext uri="{FF2B5EF4-FFF2-40B4-BE49-F238E27FC236}">
+                <a16:creationId xmlns:a16="http://schemas.microsoft.com/office/drawing/2014/main" id="{B79A8F39-0178-EB42-D5F4-23EBC530F300}"/>
+              </a:ext>
+            </a:extLst>
+          </p:cNvPr>
+          <p:cNvSpPr txBox="1"/>
+          <p:nvPr/>
+        </p:nvSpPr>
+        <p:spPr>
+          <a:xfrm>
+            <a:off x="10229461" y="1692418"/>
+            <a:ext cx="1625859" cy="1569660"/>
+          </a:xfrm>
+          <a:prstGeom prst="rect">
+            <a:avLst/>
+          </a:prstGeom>
+          <a:noFill/>
+        </p:spPr>
+        <p:txBody>
+          <a:bodyPr wrap="square">
+            <a:spAutoFit/>
+          </a:bodyPr>
+          <a:lstStyle/>
+          <a:p>
+            <a:pPr algn="ctr"/>
+            <a:r>
+              <a:rPr lang="en-US" sz="2400" dirty="0">
+                <a:solidFill>
+                  <a:schemeClr val="bg1"/>
+                </a:solidFill>
+              </a:rPr>
+              <a:t>Extremely popular</a:t>
+            </a:r>
+          </a:p>
+          <a:p>
+            <a:pPr algn="ctr"/>
+            <a:r>
+              <a:rPr lang="en-US" sz="2400" dirty="0">
+                <a:solidFill>
+                  <a:schemeClr val="bg1"/>
+                </a:solidFill>
+              </a:rPr>
+              <a:t>Toilet </a:t>
+            </a:r>
+          </a:p>
+          <a:p>
+            <a:pPr algn="ctr"/>
+            <a:r>
+              <a:rPr lang="en-US" sz="2400" dirty="0">
+                <a:solidFill>
+                  <a:schemeClr val="bg1"/>
+                </a:solidFill>
+              </a:rPr>
+              <a:t>(Hot Zone);</a:t>
+            </a:r>
+          </a:p>
+        </p:txBody>
+      </p:sp>
+    </p:spTree>
+    <p:extLst>
+      <p:ext uri="{BB962C8B-B14F-4D97-AF65-F5344CB8AC3E}">
+        <p14:creationId xmlns:p14="http://schemas.microsoft.com/office/powerpoint/2010/main" val="1463893391"/>
+      </p:ext>
+    </p:extLst>
+  </p:cSld>
+  <p:clrMapOvr>
+    <a:masterClrMapping/>
+  </p:clrMapOvr>
+</p:sld>
+</file>
+
+<file path=ppt/slides/slide4.xml><?xml version="1.0" encoding="utf-8"?>
+<p:sld xmlns:a="http://schemas.openxmlformats.org/drawingml/2006/main" xmlns:r="http://schemas.openxmlformats.org/officeDocument/2006/relationships" xmlns:p="http://schemas.openxmlformats.org/presentationml/2006/main">
+  <p:cSld>
+    <p:bg>
+      <p:bgPr>
+        <a:solidFill>
+          <a:srgbClr val="111111"/>
+        </a:solidFill>
+        <a:effectLst/>
+      </p:bgPr>
+    </p:bg>
+    <p:spTree>
+      <p:nvGrpSpPr>
+        <p:cNvPr id="1" name=""/>
+        <p:cNvGrpSpPr/>
+        <p:nvPr/>
+      </p:nvGrpSpPr>
+      <p:grpSpPr>
+        <a:xfrm>
+          <a:off x="0" y="0"/>
+          <a:ext cx="0" cy="0"/>
+          <a:chOff x="0" y="0"/>
+          <a:chExt cx="0" cy="0"/>
+        </a:xfrm>
+      </p:grpSpPr>
+      <p:sp>
+        <p:nvSpPr>
+          <p:cNvPr id="4" name="TextBox 3">
+            <a:extLst>
+              <a:ext uri="{FF2B5EF4-FFF2-40B4-BE49-F238E27FC236}">
+                <a16:creationId xmlns:a16="http://schemas.microsoft.com/office/drawing/2014/main" id="{B9468F09-1FBD-E59C-5C0F-E06582FE8488}"/>
+              </a:ext>
+            </a:extLst>
+          </p:cNvPr>
+          <p:cNvSpPr txBox="1"/>
+          <p:nvPr/>
+        </p:nvSpPr>
+        <p:spPr>
+          <a:xfrm>
+            <a:off x="336679" y="365125"/>
+            <a:ext cx="2574472" cy="584775"/>
+          </a:xfrm>
+          <a:prstGeom prst="rect">
+            <a:avLst/>
+          </a:prstGeom>
+          <a:solidFill>
+            <a:srgbClr val="2274A5"/>
+          </a:solidFill>
+        </p:spPr>
+        <p:txBody>
+          <a:bodyPr wrap="square" rtlCol="0">
+            <a:spAutoFit/>
+          </a:bodyPr>
+          <a:lstStyle/>
+          <a:p>
+            <a:r>
+              <a:rPr lang="en-US" sz="3200" dirty="0">
+                <a:solidFill>
+                  <a:schemeClr val="bg1"/>
+                </a:solidFill>
+              </a:rPr>
+              <a:t>Analytics </a:t>
+            </a:r>
+          </a:p>
+        </p:txBody>
+      </p:sp>
+      <p:sp>
+        <p:nvSpPr>
+          <p:cNvPr id="5" name="TextBox 4">
+            <a:extLst>
+              <a:ext uri="{FF2B5EF4-FFF2-40B4-BE49-F238E27FC236}">
+                <a16:creationId xmlns:a16="http://schemas.microsoft.com/office/drawing/2014/main" id="{A133FB2A-DDB5-B32D-ED68-C6A2484E929F}"/>
+              </a:ext>
+            </a:extLst>
+          </p:cNvPr>
+          <p:cNvSpPr txBox="1"/>
+          <p:nvPr/>
+        </p:nvSpPr>
+        <p:spPr>
+          <a:xfrm>
+            <a:off x="3063550" y="365124"/>
+            <a:ext cx="5184711" cy="584775"/>
+          </a:xfrm>
+          <a:prstGeom prst="rect">
+            <a:avLst/>
+          </a:prstGeom>
+          <a:solidFill>
+            <a:schemeClr val="accent5">
+              <a:lumMod val="75000"/>
+            </a:schemeClr>
+          </a:solidFill>
+        </p:spPr>
+        <p:txBody>
+          <a:bodyPr wrap="square" rtlCol="0">
+            <a:spAutoFit/>
+          </a:bodyPr>
+          <a:lstStyle/>
+          <a:p>
+            <a:r>
+              <a:rPr lang="en-US" sz="3200" dirty="0">
+                <a:solidFill>
+                  <a:schemeClr val="bg1"/>
+                </a:solidFill>
+              </a:rPr>
               <a:t>Multi-source tracking system</a:t>
+            </a:r>
+          </a:p>
+        </p:txBody>
+      </p:sp>
+      <p:sp>
+        <p:nvSpPr>
+          <p:cNvPr id="7" name="TextBox 6">
+            <a:extLst>
+              <a:ext uri="{FF2B5EF4-FFF2-40B4-BE49-F238E27FC236}">
+                <a16:creationId xmlns:a16="http://schemas.microsoft.com/office/drawing/2014/main" id="{76837C88-B26D-BEFF-D989-F29DACF4C72F}"/>
+              </a:ext>
+            </a:extLst>
+          </p:cNvPr>
+          <p:cNvSpPr txBox="1"/>
+          <p:nvPr/>
+        </p:nvSpPr>
+        <p:spPr>
+          <a:xfrm>
+            <a:off x="336679" y="1336119"/>
+            <a:ext cx="11702921" cy="4524315"/>
+          </a:xfrm>
+          <a:prstGeom prst="rect">
+            <a:avLst/>
+          </a:prstGeom>
+          <a:noFill/>
+        </p:spPr>
+        <p:txBody>
+          <a:bodyPr wrap="square">
+            <a:spAutoFit/>
+          </a:bodyPr>
+          <a:lstStyle/>
+          <a:p>
+            <a:pPr marL="285750" indent="-285750">
+              <a:buFontTx/>
+              <a:buChar char="-"/>
+            </a:pPr>
+            <a:r>
+              <a:rPr lang="en-US" sz="2400" dirty="0">
+                <a:solidFill>
+                  <a:schemeClr val="bg1"/>
+                </a:solidFill>
+              </a:rPr>
+              <a:t>Scan social networks (Twitter, Instagram, Facebook, </a:t>
+            </a:r>
+            <a:r>
+              <a:rPr lang="en-US" sz="2400" dirty="0" err="1">
+                <a:solidFill>
+                  <a:schemeClr val="bg1"/>
+                </a:solidFill>
+              </a:rPr>
+              <a:t>etc</a:t>
+            </a:r>
+            <a:r>
+              <a:rPr lang="en-US" sz="2400" dirty="0">
+                <a:solidFill>
+                  <a:schemeClr val="bg1"/>
+                </a:solidFill>
+              </a:rPr>
+              <a:t>);</a:t>
+            </a:r>
+          </a:p>
+          <a:p>
+            <a:pPr marL="285750" indent="-285750">
+              <a:buFontTx/>
+              <a:buChar char="-"/>
+            </a:pPr>
+            <a:r>
+              <a:rPr lang="en-US" sz="2400" dirty="0">
+                <a:solidFill>
+                  <a:schemeClr val="bg1"/>
+                </a:solidFill>
+              </a:rPr>
+              <a:t>Place QR codes at the points of interest;</a:t>
+            </a:r>
+          </a:p>
+          <a:p>
+            <a:pPr marL="285750" indent="-285750">
+              <a:buFontTx/>
+              <a:buChar char="-"/>
+            </a:pPr>
+            <a:r>
+              <a:rPr lang="en-US" sz="2400" dirty="0">
+                <a:solidFill>
+                  <a:schemeClr val="bg1"/>
+                </a:solidFill>
+              </a:rPr>
+              <a:t>Place </a:t>
+            </a:r>
+            <a:r>
+              <a:rPr lang="en-US" sz="2400" dirty="0" err="1">
+                <a:solidFill>
+                  <a:schemeClr val="bg1"/>
+                </a:solidFill>
+              </a:rPr>
+              <a:t>iBeacons</a:t>
+            </a:r>
+            <a:r>
+              <a:rPr lang="en-US" sz="2400" dirty="0">
+                <a:solidFill>
+                  <a:schemeClr val="bg1"/>
+                </a:solidFill>
+              </a:rPr>
+              <a:t> at places of interest;</a:t>
+            </a:r>
+          </a:p>
+          <a:p>
+            <a:pPr marL="285750" indent="-285750">
+              <a:buFontTx/>
+              <a:buChar char="-"/>
+            </a:pPr>
+            <a:r>
+              <a:rPr lang="en-US" sz="2400" dirty="0">
+                <a:solidFill>
+                  <a:schemeClr val="bg1"/>
+                </a:solidFill>
+              </a:rPr>
+              <a:t>Place public </a:t>
+            </a:r>
+            <a:r>
+              <a:rPr lang="en-US" sz="2400" dirty="0" err="1">
+                <a:solidFill>
+                  <a:schemeClr val="bg1"/>
+                </a:solidFill>
+              </a:rPr>
+              <a:t>WiFi</a:t>
+            </a:r>
+            <a:r>
+              <a:rPr lang="en-US" sz="2400" dirty="0">
+                <a:solidFill>
+                  <a:schemeClr val="bg1"/>
+                </a:solidFill>
+              </a:rPr>
+              <a:t> hotspots;</a:t>
+            </a:r>
+          </a:p>
+          <a:p>
+            <a:pPr marL="285750" indent="-285750">
+              <a:buFontTx/>
+              <a:buChar char="-"/>
+            </a:pPr>
+            <a:r>
+              <a:rPr lang="en-US" sz="2400" dirty="0">
+                <a:solidFill>
+                  <a:schemeClr val="bg1"/>
+                </a:solidFill>
+              </a:rPr>
+              <a:t>Place surveillance cameras at the points of interest to analyze video-feed;</a:t>
+            </a:r>
+          </a:p>
+          <a:p>
+            <a:pPr marL="285750" indent="-285750">
+              <a:buFontTx/>
+              <a:buChar char="-"/>
+            </a:pPr>
+            <a:r>
+              <a:rPr lang="en-US" sz="2400" dirty="0">
+                <a:solidFill>
+                  <a:schemeClr val="bg1"/>
+                </a:solidFill>
+              </a:rPr>
+              <a:t>Arrange a contract with mobile operators to receive data about the geo-position of the phones in the area;</a:t>
+            </a:r>
+          </a:p>
+          <a:p>
+            <a:pPr marL="285750" indent="-285750">
+              <a:buFontTx/>
+              <a:buChar char="-"/>
+            </a:pPr>
+            <a:r>
+              <a:rPr lang="en-US" sz="2400" dirty="0">
+                <a:solidFill>
+                  <a:schemeClr val="bg1"/>
+                </a:solidFill>
+              </a:rPr>
+              <a:t>Arrange a contract with hotels to collect information about the number of guests;</a:t>
+            </a:r>
+          </a:p>
+          <a:p>
+            <a:pPr marL="285750" indent="-285750">
+              <a:buFontTx/>
+              <a:buChar char="-"/>
+            </a:pPr>
+            <a:r>
+              <a:rPr lang="en-US" sz="2400" dirty="0">
+                <a:solidFill>
+                  <a:schemeClr val="bg1"/>
+                </a:solidFill>
+              </a:rPr>
+              <a:t>Arrange a contract with a taxi service to place geo-tracking devices into theirs's cars;</a:t>
+            </a:r>
+          </a:p>
+          <a:p>
+            <a:pPr marL="285750" indent="-285750">
+              <a:buFontTx/>
+              <a:buChar char="-"/>
+            </a:pPr>
+            <a:r>
+              <a:rPr lang="en-US" sz="2400" dirty="0">
+                <a:solidFill>
+                  <a:schemeClr val="bg1"/>
+                </a:solidFill>
+              </a:rPr>
+              <a:t>Arrange a contract with a car rental service to place geo-tracking devices into theirs's cars;</a:t>
+            </a:r>
+          </a:p>
+          <a:p>
+            <a:pPr marL="285750" indent="-285750">
+              <a:buFontTx/>
+              <a:buChar char="-"/>
+            </a:pPr>
+            <a:endParaRPr lang="en-US" sz="2400" dirty="0">
+              <a:solidFill>
+                <a:schemeClr val="bg1"/>
+              </a:solidFill>
+            </a:endParaRPr>
+          </a:p>
+          <a:p>
+            <a:r>
+              <a:rPr lang="en-US" sz="2400" dirty="0">
+                <a:solidFill>
+                  <a:schemeClr val="bg1"/>
+                </a:solidFill>
+              </a:rPr>
+              <a:t>Etc.</a:t>
+            </a:r>
+          </a:p>
+        </p:txBody>
+      </p:sp>
+    </p:spTree>
+    <p:extLst>
+      <p:ext uri="{BB962C8B-B14F-4D97-AF65-F5344CB8AC3E}">
+        <p14:creationId xmlns:p14="http://schemas.microsoft.com/office/powerpoint/2010/main" val="3150559579"/>
+      </p:ext>
+    </p:extLst>
+  </p:cSld>
+  <p:clrMapOvr>
+    <a:masterClrMapping/>
+  </p:clrMapOvr>
+</p:sld>
+</file>
+
+<file path=ppt/slides/slide5.xml><?xml version="1.0" encoding="utf-8"?>
+<p:sld xmlns:a="http://schemas.openxmlformats.org/drawingml/2006/main" xmlns:r="http://schemas.openxmlformats.org/officeDocument/2006/relationships" xmlns:p="http://schemas.openxmlformats.org/presentationml/2006/main">
+  <p:cSld>
+    <p:bg>
+      <p:bgPr>
+        <a:solidFill>
+          <a:srgbClr val="111111"/>
+        </a:solidFill>
+        <a:effectLst/>
+      </p:bgPr>
+    </p:bg>
+    <p:spTree>
+      <p:nvGrpSpPr>
+        <p:cNvPr id="1" name=""/>
+        <p:cNvGrpSpPr/>
+        <p:nvPr/>
+      </p:nvGrpSpPr>
+      <p:grpSpPr>
+        <a:xfrm>
+          <a:off x="0" y="0"/>
+          <a:ext cx="0" cy="0"/>
+          <a:chOff x="0" y="0"/>
+          <a:chExt cx="0" cy="0"/>
+        </a:xfrm>
+      </p:grpSpPr>
+      <p:sp>
+        <p:nvSpPr>
+          <p:cNvPr id="4" name="TextBox 3">
+            <a:extLst>
+              <a:ext uri="{FF2B5EF4-FFF2-40B4-BE49-F238E27FC236}">
+                <a16:creationId xmlns:a16="http://schemas.microsoft.com/office/drawing/2014/main" id="{B9468F09-1FBD-E59C-5C0F-E06582FE8488}"/>
+              </a:ext>
+            </a:extLst>
+          </p:cNvPr>
+          <p:cNvSpPr txBox="1"/>
+          <p:nvPr/>
+        </p:nvSpPr>
+        <p:spPr>
+          <a:xfrm>
+            <a:off x="336679" y="365125"/>
+            <a:ext cx="2574472" cy="584775"/>
+          </a:xfrm>
+          <a:prstGeom prst="rect">
+            <a:avLst/>
+          </a:prstGeom>
+          <a:solidFill>
+            <a:srgbClr val="2274A5"/>
+          </a:solidFill>
+        </p:spPr>
+        <p:txBody>
+          <a:bodyPr wrap="square" rtlCol="0">
+            <a:spAutoFit/>
+          </a:bodyPr>
+          <a:lstStyle/>
+          <a:p>
+            <a:r>
+              <a:rPr lang="en-US" sz="3200" dirty="0">
+                <a:solidFill>
+                  <a:schemeClr val="bg1"/>
+                </a:solidFill>
+              </a:rPr>
+              <a:t>Analytics </a:t>
+            </a:r>
+          </a:p>
+        </p:txBody>
+      </p:sp>
+      <p:sp>
+        <p:nvSpPr>
+          <p:cNvPr id="5" name="TextBox 4">
+            <a:extLst>
+              <a:ext uri="{FF2B5EF4-FFF2-40B4-BE49-F238E27FC236}">
+                <a16:creationId xmlns:a16="http://schemas.microsoft.com/office/drawing/2014/main" id="{A133FB2A-DDB5-B32D-ED68-C6A2484E929F}"/>
+              </a:ext>
+            </a:extLst>
+          </p:cNvPr>
+          <p:cNvSpPr txBox="1"/>
+          <p:nvPr/>
+        </p:nvSpPr>
+        <p:spPr>
+          <a:xfrm>
+            <a:off x="3063550" y="365124"/>
+            <a:ext cx="1847850" cy="584775"/>
+          </a:xfrm>
+          <a:prstGeom prst="rect">
+            <a:avLst/>
+          </a:prstGeom>
+          <a:solidFill>
+            <a:schemeClr val="accent5">
+              <a:lumMod val="75000"/>
+            </a:schemeClr>
+          </a:solidFill>
+        </p:spPr>
+        <p:txBody>
+          <a:bodyPr wrap="square" rtlCol="0">
+            <a:spAutoFit/>
+          </a:bodyPr>
+          <a:lstStyle/>
+          <a:p>
+            <a:r>
+              <a:rPr lang="en-US" sz="3200" dirty="0">
+                <a:solidFill>
+                  <a:schemeClr val="bg1"/>
+                </a:solidFill>
+              </a:rPr>
+              <a:t>Scheme</a:t>
             </a:r>
           </a:p>
         </p:txBody>
@@ -4388,832 +5252,6 @@
 </p:sld>
 </file>
 
-<file path=ppt/slides/slide3.xml><?xml version="1.0" encoding="utf-8"?>
-<p:sld xmlns:a="http://schemas.openxmlformats.org/drawingml/2006/main" xmlns:r="http://schemas.openxmlformats.org/officeDocument/2006/relationships" xmlns:p="http://schemas.openxmlformats.org/presentationml/2006/main">
-  <p:cSld>
-    <p:bg>
-      <p:bgPr>
-        <a:solidFill>
-          <a:srgbClr val="111111"/>
-        </a:solidFill>
-        <a:effectLst/>
-      </p:bgPr>
-    </p:bg>
-    <p:spTree>
-      <p:nvGrpSpPr>
-        <p:cNvPr id="1" name=""/>
-        <p:cNvGrpSpPr/>
-        <p:nvPr/>
-      </p:nvGrpSpPr>
-      <p:grpSpPr>
-        <a:xfrm>
-          <a:off x="0" y="0"/>
-          <a:ext cx="0" cy="0"/>
-          <a:chOff x="0" y="0"/>
-          <a:chExt cx="0" cy="0"/>
-        </a:xfrm>
-      </p:grpSpPr>
-      <p:sp>
-        <p:nvSpPr>
-          <p:cNvPr id="4" name="TextBox 3">
-            <a:extLst>
-              <a:ext uri="{FF2B5EF4-FFF2-40B4-BE49-F238E27FC236}">
-                <a16:creationId xmlns:a16="http://schemas.microsoft.com/office/drawing/2014/main" id="{B9468F09-1FBD-E59C-5C0F-E06582FE8488}"/>
-              </a:ext>
-            </a:extLst>
-          </p:cNvPr>
-          <p:cNvSpPr txBox="1"/>
-          <p:nvPr/>
-        </p:nvSpPr>
-        <p:spPr>
-          <a:xfrm>
-            <a:off x="336679" y="365125"/>
-            <a:ext cx="2574472" cy="584775"/>
-          </a:xfrm>
-          <a:prstGeom prst="rect">
-            <a:avLst/>
-          </a:prstGeom>
-          <a:solidFill>
-            <a:srgbClr val="2274A5"/>
-          </a:solidFill>
-        </p:spPr>
-        <p:txBody>
-          <a:bodyPr wrap="square" rtlCol="0">
-            <a:spAutoFit/>
-          </a:bodyPr>
-          <a:lstStyle/>
-          <a:p>
-            <a:r>
-              <a:rPr lang="en-US" sz="3200" dirty="0">
-                <a:solidFill>
-                  <a:schemeClr val="bg1"/>
-                </a:solidFill>
-              </a:rPr>
-              <a:t>Analytics </a:t>
-            </a:r>
-          </a:p>
-        </p:txBody>
-      </p:sp>
-      <p:sp>
-        <p:nvSpPr>
-          <p:cNvPr id="5" name="TextBox 4">
-            <a:extLst>
-              <a:ext uri="{FF2B5EF4-FFF2-40B4-BE49-F238E27FC236}">
-                <a16:creationId xmlns:a16="http://schemas.microsoft.com/office/drawing/2014/main" id="{A133FB2A-DDB5-B32D-ED68-C6A2484E929F}"/>
-              </a:ext>
-            </a:extLst>
-          </p:cNvPr>
-          <p:cNvSpPr txBox="1"/>
-          <p:nvPr/>
-        </p:nvSpPr>
-        <p:spPr>
-          <a:xfrm>
-            <a:off x="3063550" y="365124"/>
-            <a:ext cx="4042099" cy="584775"/>
-          </a:xfrm>
-          <a:prstGeom prst="rect">
-            <a:avLst/>
-          </a:prstGeom>
-          <a:solidFill>
-            <a:schemeClr val="accent5">
-              <a:lumMod val="75000"/>
-            </a:schemeClr>
-          </a:solidFill>
-        </p:spPr>
-        <p:txBody>
-          <a:bodyPr wrap="square" rtlCol="0">
-            <a:spAutoFit/>
-          </a:bodyPr>
-          <a:lstStyle/>
-          <a:p>
-            <a:r>
-              <a:rPr lang="en-US" sz="3200" dirty="0">
-                <a:solidFill>
-                  <a:schemeClr val="bg1"/>
-                </a:solidFill>
-              </a:rPr>
-              <a:t>Data Collectors</a:t>
-            </a:r>
-          </a:p>
-        </p:txBody>
-      </p:sp>
-      <p:sp>
-        <p:nvSpPr>
-          <p:cNvPr id="7" name="TextBox 6">
-            <a:extLst>
-              <a:ext uri="{FF2B5EF4-FFF2-40B4-BE49-F238E27FC236}">
-                <a16:creationId xmlns:a16="http://schemas.microsoft.com/office/drawing/2014/main" id="{76837C88-B26D-BEFF-D989-F29DACF4C72F}"/>
-              </a:ext>
-            </a:extLst>
-          </p:cNvPr>
-          <p:cNvSpPr txBox="1"/>
-          <p:nvPr/>
-        </p:nvSpPr>
-        <p:spPr>
-          <a:xfrm>
-            <a:off x="336679" y="1336119"/>
-            <a:ext cx="11702921" cy="4524315"/>
-          </a:xfrm>
-          <a:prstGeom prst="rect">
-            <a:avLst/>
-          </a:prstGeom>
-          <a:noFill/>
-        </p:spPr>
-        <p:txBody>
-          <a:bodyPr wrap="square">
-            <a:spAutoFit/>
-          </a:bodyPr>
-          <a:lstStyle/>
-          <a:p>
-            <a:pPr marL="285750" indent="-285750">
-              <a:buFontTx/>
-              <a:buChar char="-"/>
-            </a:pPr>
-            <a:r>
-              <a:rPr lang="en-US" sz="2400" dirty="0">
-                <a:solidFill>
-                  <a:schemeClr val="bg1"/>
-                </a:solidFill>
-              </a:rPr>
-              <a:t>Scan social networks (Twitter, Instagram, Facebook, </a:t>
-            </a:r>
-            <a:r>
-              <a:rPr lang="en-US" sz="2400" dirty="0" err="1">
-                <a:solidFill>
-                  <a:schemeClr val="bg1"/>
-                </a:solidFill>
-              </a:rPr>
-              <a:t>etc</a:t>
-            </a:r>
-            <a:r>
-              <a:rPr lang="en-US" sz="2400" dirty="0">
-                <a:solidFill>
-                  <a:schemeClr val="bg1"/>
-                </a:solidFill>
-              </a:rPr>
-              <a:t>);</a:t>
-            </a:r>
-          </a:p>
-          <a:p>
-            <a:pPr marL="285750" indent="-285750">
-              <a:buFontTx/>
-              <a:buChar char="-"/>
-            </a:pPr>
-            <a:r>
-              <a:rPr lang="en-US" sz="2400" dirty="0">
-                <a:solidFill>
-                  <a:schemeClr val="bg1"/>
-                </a:solidFill>
-              </a:rPr>
-              <a:t>Place QR codes at the points of interest;</a:t>
-            </a:r>
-          </a:p>
-          <a:p>
-            <a:pPr marL="285750" indent="-285750">
-              <a:buFontTx/>
-              <a:buChar char="-"/>
-            </a:pPr>
-            <a:r>
-              <a:rPr lang="en-US" sz="2400" dirty="0">
-                <a:solidFill>
-                  <a:schemeClr val="bg1"/>
-                </a:solidFill>
-              </a:rPr>
-              <a:t>Place </a:t>
-            </a:r>
-            <a:r>
-              <a:rPr lang="en-US" sz="2400" dirty="0" err="1">
-                <a:solidFill>
-                  <a:schemeClr val="bg1"/>
-                </a:solidFill>
-              </a:rPr>
-              <a:t>iBeacons</a:t>
-            </a:r>
-            <a:r>
-              <a:rPr lang="en-US" sz="2400" dirty="0">
-                <a:solidFill>
-                  <a:schemeClr val="bg1"/>
-                </a:solidFill>
-              </a:rPr>
-              <a:t> at places of interest;</a:t>
-            </a:r>
-          </a:p>
-          <a:p>
-            <a:pPr marL="285750" indent="-285750">
-              <a:buFontTx/>
-              <a:buChar char="-"/>
-            </a:pPr>
-            <a:r>
-              <a:rPr lang="en-US" sz="2400" dirty="0">
-                <a:solidFill>
-                  <a:schemeClr val="bg1"/>
-                </a:solidFill>
-              </a:rPr>
-              <a:t>Place public </a:t>
-            </a:r>
-            <a:r>
-              <a:rPr lang="en-US" sz="2400" dirty="0" err="1">
-                <a:solidFill>
-                  <a:schemeClr val="bg1"/>
-                </a:solidFill>
-              </a:rPr>
-              <a:t>WiFi</a:t>
-            </a:r>
-            <a:r>
-              <a:rPr lang="en-US" sz="2400" dirty="0">
-                <a:solidFill>
-                  <a:schemeClr val="bg1"/>
-                </a:solidFill>
-              </a:rPr>
-              <a:t> hotspots;</a:t>
-            </a:r>
-          </a:p>
-          <a:p>
-            <a:pPr marL="285750" indent="-285750">
-              <a:buFontTx/>
-              <a:buChar char="-"/>
-            </a:pPr>
-            <a:r>
-              <a:rPr lang="en-US" sz="2400" dirty="0">
-                <a:solidFill>
-                  <a:schemeClr val="bg1"/>
-                </a:solidFill>
-              </a:rPr>
-              <a:t>Place surveillance cameras at the points of interest to analyze video-feed;</a:t>
-            </a:r>
-          </a:p>
-          <a:p>
-            <a:pPr marL="285750" indent="-285750">
-              <a:buFontTx/>
-              <a:buChar char="-"/>
-            </a:pPr>
-            <a:r>
-              <a:rPr lang="en-US" sz="2400" dirty="0">
-                <a:solidFill>
-                  <a:schemeClr val="bg1"/>
-                </a:solidFill>
-              </a:rPr>
-              <a:t>Arrange a contract with mobile operators to receive data about the geo-position of the phones in the area;</a:t>
-            </a:r>
-          </a:p>
-          <a:p>
-            <a:pPr marL="285750" indent="-285750">
-              <a:buFontTx/>
-              <a:buChar char="-"/>
-            </a:pPr>
-            <a:r>
-              <a:rPr lang="en-US" sz="2400" dirty="0">
-                <a:solidFill>
-                  <a:schemeClr val="bg1"/>
-                </a:solidFill>
-              </a:rPr>
-              <a:t>Arrange a contract with hotels to collect information about the number of guests;</a:t>
-            </a:r>
-          </a:p>
-          <a:p>
-            <a:pPr marL="285750" indent="-285750">
-              <a:buFontTx/>
-              <a:buChar char="-"/>
-            </a:pPr>
-            <a:r>
-              <a:rPr lang="en-US" sz="2400" dirty="0">
-                <a:solidFill>
-                  <a:schemeClr val="bg1"/>
-                </a:solidFill>
-              </a:rPr>
-              <a:t>Arrange a contract with a taxi service to place geo-tracking devices into theirs's cars;</a:t>
-            </a:r>
-          </a:p>
-          <a:p>
-            <a:pPr marL="285750" indent="-285750">
-              <a:buFontTx/>
-              <a:buChar char="-"/>
-            </a:pPr>
-            <a:r>
-              <a:rPr lang="en-US" sz="2400" dirty="0">
-                <a:solidFill>
-                  <a:schemeClr val="bg1"/>
-                </a:solidFill>
-              </a:rPr>
-              <a:t>Arrange a contract with a car rental service to place geo-tracking devices into theirs's cars;</a:t>
-            </a:r>
-          </a:p>
-          <a:p>
-            <a:pPr marL="285750" indent="-285750">
-              <a:buFontTx/>
-              <a:buChar char="-"/>
-            </a:pPr>
-            <a:endParaRPr lang="en-US" sz="2400" dirty="0">
-              <a:solidFill>
-                <a:schemeClr val="bg1"/>
-              </a:solidFill>
-            </a:endParaRPr>
-          </a:p>
-          <a:p>
-            <a:r>
-              <a:rPr lang="en-US" sz="2400" dirty="0">
-                <a:solidFill>
-                  <a:schemeClr val="bg1"/>
-                </a:solidFill>
-              </a:rPr>
-              <a:t>Etc.</a:t>
-            </a:r>
-          </a:p>
-        </p:txBody>
-      </p:sp>
-    </p:spTree>
-    <p:extLst>
-      <p:ext uri="{BB962C8B-B14F-4D97-AF65-F5344CB8AC3E}">
-        <p14:creationId xmlns:p14="http://schemas.microsoft.com/office/powerpoint/2010/main" val="3150559579"/>
-      </p:ext>
-    </p:extLst>
-  </p:cSld>
-  <p:clrMapOvr>
-    <a:masterClrMapping/>
-  </p:clrMapOvr>
-</p:sld>
-</file>
-
-<file path=ppt/slides/slide4.xml><?xml version="1.0" encoding="utf-8"?>
-<p:sld xmlns:a="http://schemas.openxmlformats.org/drawingml/2006/main" xmlns:r="http://schemas.openxmlformats.org/officeDocument/2006/relationships" xmlns:p="http://schemas.openxmlformats.org/presentationml/2006/main">
-  <p:cSld>
-    <p:bg>
-      <p:bgPr>
-        <a:solidFill>
-          <a:srgbClr val="111111"/>
-        </a:solidFill>
-        <a:effectLst/>
-      </p:bgPr>
-    </p:bg>
-    <p:spTree>
-      <p:nvGrpSpPr>
-        <p:cNvPr id="1" name=""/>
-        <p:cNvGrpSpPr/>
-        <p:nvPr/>
-      </p:nvGrpSpPr>
-      <p:grpSpPr>
-        <a:xfrm>
-          <a:off x="0" y="0"/>
-          <a:ext cx="0" cy="0"/>
-          <a:chOff x="0" y="0"/>
-          <a:chExt cx="0" cy="0"/>
-        </a:xfrm>
-      </p:grpSpPr>
-      <p:sp>
-        <p:nvSpPr>
-          <p:cNvPr id="4" name="TextBox 3">
-            <a:extLst>
-              <a:ext uri="{FF2B5EF4-FFF2-40B4-BE49-F238E27FC236}">
-                <a16:creationId xmlns:a16="http://schemas.microsoft.com/office/drawing/2014/main" id="{B9468F09-1FBD-E59C-5C0F-E06582FE8488}"/>
-              </a:ext>
-            </a:extLst>
-          </p:cNvPr>
-          <p:cNvSpPr txBox="1"/>
-          <p:nvPr/>
-        </p:nvSpPr>
-        <p:spPr>
-          <a:xfrm>
-            <a:off x="336679" y="365125"/>
-            <a:ext cx="2574472" cy="584775"/>
-          </a:xfrm>
-          <a:prstGeom prst="rect">
-            <a:avLst/>
-          </a:prstGeom>
-          <a:solidFill>
-            <a:srgbClr val="2274A5"/>
-          </a:solidFill>
-        </p:spPr>
-        <p:txBody>
-          <a:bodyPr wrap="square" rtlCol="0">
-            <a:spAutoFit/>
-          </a:bodyPr>
-          <a:lstStyle/>
-          <a:p>
-            <a:r>
-              <a:rPr lang="en-US" sz="3200" dirty="0">
-                <a:solidFill>
-                  <a:schemeClr val="bg1"/>
-                </a:solidFill>
-              </a:rPr>
-              <a:t>Analytics </a:t>
-            </a:r>
-          </a:p>
-        </p:txBody>
-      </p:sp>
-      <p:sp>
-        <p:nvSpPr>
-          <p:cNvPr id="5" name="TextBox 4">
-            <a:extLst>
-              <a:ext uri="{FF2B5EF4-FFF2-40B4-BE49-F238E27FC236}">
-                <a16:creationId xmlns:a16="http://schemas.microsoft.com/office/drawing/2014/main" id="{A133FB2A-DDB5-B32D-ED68-C6A2484E929F}"/>
-              </a:ext>
-            </a:extLst>
-          </p:cNvPr>
-          <p:cNvSpPr txBox="1"/>
-          <p:nvPr/>
-        </p:nvSpPr>
-        <p:spPr>
-          <a:xfrm>
-            <a:off x="3063550" y="365124"/>
-            <a:ext cx="5278017" cy="584775"/>
-          </a:xfrm>
-          <a:prstGeom prst="rect">
-            <a:avLst/>
-          </a:prstGeom>
-          <a:solidFill>
-            <a:schemeClr val="accent5">
-              <a:lumMod val="75000"/>
-            </a:schemeClr>
-          </a:solidFill>
-        </p:spPr>
-        <p:txBody>
-          <a:bodyPr wrap="square" rtlCol="0">
-            <a:spAutoFit/>
-          </a:bodyPr>
-          <a:lstStyle/>
-          <a:p>
-            <a:r>
-              <a:rPr lang="en-US" sz="3200" dirty="0">
-                <a:solidFill>
-                  <a:schemeClr val="bg1"/>
-                </a:solidFill>
-              </a:rPr>
-              <a:t>Why so many data collectors?</a:t>
-            </a:r>
-          </a:p>
-        </p:txBody>
-      </p:sp>
-      <p:sp>
-        <p:nvSpPr>
-          <p:cNvPr id="3" name="TextBox 2">
-            <a:extLst>
-              <a:ext uri="{FF2B5EF4-FFF2-40B4-BE49-F238E27FC236}">
-                <a16:creationId xmlns:a16="http://schemas.microsoft.com/office/drawing/2014/main" id="{DA59681C-76CD-2685-7801-A1F873C55AC8}"/>
-              </a:ext>
-            </a:extLst>
-          </p:cNvPr>
-          <p:cNvSpPr txBox="1"/>
-          <p:nvPr/>
-        </p:nvSpPr>
-        <p:spPr>
-          <a:xfrm>
-            <a:off x="336678" y="1350220"/>
-            <a:ext cx="11457215" cy="2031325"/>
-          </a:xfrm>
-          <a:prstGeom prst="rect">
-            <a:avLst/>
-          </a:prstGeom>
-          <a:noFill/>
-        </p:spPr>
-        <p:txBody>
-          <a:bodyPr wrap="square">
-            <a:spAutoFit/>
-          </a:bodyPr>
-          <a:lstStyle/>
-          <a:p>
-            <a:pPr marL="342900" indent="-342900">
-              <a:buAutoNum type="arabicPeriod"/>
-            </a:pPr>
-            <a:r>
-              <a:rPr lang="en-US" sz="1800" dirty="0">
-                <a:solidFill>
-                  <a:schemeClr val="bg1"/>
-                </a:solidFill>
-              </a:rPr>
-              <a:t>We can not trust just one source;</a:t>
-            </a:r>
-          </a:p>
-          <a:p>
-            <a:pPr marL="342900" indent="-342900">
-              <a:buAutoNum type="arabicPeriod"/>
-            </a:pPr>
-            <a:r>
-              <a:rPr lang="en-US" dirty="0">
-                <a:solidFill>
-                  <a:schemeClr val="bg1"/>
-                </a:solidFill>
-              </a:rPr>
-              <a:t>We can identify popular, but cold spots (</a:t>
-            </a:r>
-            <a:r>
-              <a:rPr lang="en-US" i="1" dirty="0">
-                <a:solidFill>
-                  <a:schemeClr val="bg1"/>
-                </a:solidFill>
-              </a:rPr>
-              <a:t>everyone is talking about a place, but nobody is visiting it</a:t>
-            </a:r>
-            <a:r>
-              <a:rPr lang="en-US" dirty="0">
-                <a:solidFill>
-                  <a:schemeClr val="bg1"/>
-                </a:solidFill>
-              </a:rPr>
-              <a:t>);</a:t>
-            </a:r>
-          </a:p>
-          <a:p>
-            <a:pPr marL="342900" indent="-342900">
-              <a:buAutoNum type="arabicPeriod"/>
-            </a:pPr>
-            <a:r>
-              <a:rPr lang="en-US" sz="1800" dirty="0">
-                <a:solidFill>
-                  <a:schemeClr val="bg1"/>
-                </a:solidFill>
-              </a:rPr>
-              <a:t>Large volumes of different data from sources will help to make different analyses:</a:t>
-            </a:r>
-          </a:p>
-          <a:p>
-            <a:pPr marL="800100" lvl="1" indent="-342900">
-              <a:buAutoNum type="arabicPeriod"/>
-            </a:pPr>
-            <a:r>
-              <a:rPr lang="en-US" dirty="0">
-                <a:solidFill>
-                  <a:schemeClr val="bg1"/>
-                </a:solidFill>
-              </a:rPr>
-              <a:t>Some people are interested in bars;</a:t>
-            </a:r>
-          </a:p>
-          <a:p>
-            <a:pPr marL="800100" lvl="1" indent="-342900">
-              <a:buAutoNum type="arabicPeriod"/>
-            </a:pPr>
-            <a:r>
-              <a:rPr lang="en-US" dirty="0">
-                <a:solidFill>
-                  <a:schemeClr val="bg1"/>
-                </a:solidFill>
-              </a:rPr>
-              <a:t>Some people are interested in museums;</a:t>
-            </a:r>
-          </a:p>
-          <a:p>
-            <a:pPr marL="800100" lvl="1" indent="-342900">
-              <a:buAutoNum type="arabicPeriod"/>
-            </a:pPr>
-            <a:r>
-              <a:rPr lang="en-US" dirty="0">
-                <a:solidFill>
-                  <a:schemeClr val="bg1"/>
-                </a:solidFill>
-              </a:rPr>
-              <a:t>Some people are interested in hiking; </a:t>
-            </a:r>
-          </a:p>
-          <a:p>
-            <a:pPr marL="800100" lvl="1" indent="-342900">
-              <a:buAutoNum type="arabicPeriod"/>
-            </a:pPr>
-            <a:r>
-              <a:rPr lang="en-US" dirty="0">
-                <a:solidFill>
-                  <a:schemeClr val="bg1"/>
-                </a:solidFill>
-              </a:rPr>
-              <a:t>…</a:t>
-            </a:r>
-            <a:r>
-              <a:rPr lang="en-US" sz="1800" dirty="0">
-                <a:solidFill>
-                  <a:schemeClr val="bg1"/>
-                </a:solidFill>
-              </a:rPr>
-              <a:t> </a:t>
-            </a:r>
-          </a:p>
-        </p:txBody>
-      </p:sp>
-    </p:spTree>
-    <p:extLst>
-      <p:ext uri="{BB962C8B-B14F-4D97-AF65-F5344CB8AC3E}">
-        <p14:creationId xmlns:p14="http://schemas.microsoft.com/office/powerpoint/2010/main" val="3136001929"/>
-      </p:ext>
-    </p:extLst>
-  </p:cSld>
-  <p:clrMapOvr>
-    <a:masterClrMapping/>
-  </p:clrMapOvr>
-</p:sld>
-</file>
-
-<file path=ppt/slides/slide5.xml><?xml version="1.0" encoding="utf-8"?>
-<p:sld xmlns:a="http://schemas.openxmlformats.org/drawingml/2006/main" xmlns:r="http://schemas.openxmlformats.org/officeDocument/2006/relationships" xmlns:p="http://schemas.openxmlformats.org/presentationml/2006/main">
-  <p:cSld>
-    <p:bg>
-      <p:bgPr>
-        <a:solidFill>
-          <a:srgbClr val="111111"/>
-        </a:solidFill>
-        <a:effectLst/>
-      </p:bgPr>
-    </p:bg>
-    <p:spTree>
-      <p:nvGrpSpPr>
-        <p:cNvPr id="1" name=""/>
-        <p:cNvGrpSpPr/>
-        <p:nvPr/>
-      </p:nvGrpSpPr>
-      <p:grpSpPr>
-        <a:xfrm>
-          <a:off x="0" y="0"/>
-          <a:ext cx="0" cy="0"/>
-          <a:chOff x="0" y="0"/>
-          <a:chExt cx="0" cy="0"/>
-        </a:xfrm>
-      </p:grpSpPr>
-      <p:sp>
-        <p:nvSpPr>
-          <p:cNvPr id="4" name="TextBox 3">
-            <a:extLst>
-              <a:ext uri="{FF2B5EF4-FFF2-40B4-BE49-F238E27FC236}">
-                <a16:creationId xmlns:a16="http://schemas.microsoft.com/office/drawing/2014/main" id="{B9468F09-1FBD-E59C-5C0F-E06582FE8488}"/>
-              </a:ext>
-            </a:extLst>
-          </p:cNvPr>
-          <p:cNvSpPr txBox="1"/>
-          <p:nvPr/>
-        </p:nvSpPr>
-        <p:spPr>
-          <a:xfrm>
-            <a:off x="336679" y="365125"/>
-            <a:ext cx="2574472" cy="584775"/>
-          </a:xfrm>
-          <a:prstGeom prst="rect">
-            <a:avLst/>
-          </a:prstGeom>
-          <a:solidFill>
-            <a:srgbClr val="2274A5"/>
-          </a:solidFill>
-        </p:spPr>
-        <p:txBody>
-          <a:bodyPr wrap="square" rtlCol="0">
-            <a:spAutoFit/>
-          </a:bodyPr>
-          <a:lstStyle/>
-          <a:p>
-            <a:r>
-              <a:rPr lang="en-US" sz="3200" dirty="0">
-                <a:solidFill>
-                  <a:schemeClr val="bg1"/>
-                </a:solidFill>
-              </a:rPr>
-              <a:t>Analytics </a:t>
-            </a:r>
-          </a:p>
-        </p:txBody>
-      </p:sp>
-      <p:sp>
-        <p:nvSpPr>
-          <p:cNvPr id="5" name="TextBox 4">
-            <a:extLst>
-              <a:ext uri="{FF2B5EF4-FFF2-40B4-BE49-F238E27FC236}">
-                <a16:creationId xmlns:a16="http://schemas.microsoft.com/office/drawing/2014/main" id="{A133FB2A-DDB5-B32D-ED68-C6A2484E929F}"/>
-              </a:ext>
-            </a:extLst>
-          </p:cNvPr>
-          <p:cNvSpPr txBox="1"/>
-          <p:nvPr/>
-        </p:nvSpPr>
-        <p:spPr>
-          <a:xfrm>
-            <a:off x="3063550" y="365124"/>
-            <a:ext cx="4042099" cy="584775"/>
-          </a:xfrm>
-          <a:prstGeom prst="rect">
-            <a:avLst/>
-          </a:prstGeom>
-          <a:solidFill>
-            <a:schemeClr val="accent5">
-              <a:lumMod val="75000"/>
-            </a:schemeClr>
-          </a:solidFill>
-        </p:spPr>
-        <p:txBody>
-          <a:bodyPr wrap="square" rtlCol="0">
-            <a:spAutoFit/>
-          </a:bodyPr>
-          <a:lstStyle/>
-          <a:p>
-            <a:r>
-              <a:rPr lang="en-US" sz="3200" dirty="0">
-                <a:solidFill>
-                  <a:schemeClr val="bg1"/>
-                </a:solidFill>
-              </a:rPr>
-              <a:t>“Two toilets problem”</a:t>
-            </a:r>
-          </a:p>
-        </p:txBody>
-      </p:sp>
-      <p:pic>
-        <p:nvPicPr>
-          <p:cNvPr id="3" name="Picture 2" descr="A picture containing text, diagram, plan, schematic">
-            <a:extLst>
-              <a:ext uri="{FF2B5EF4-FFF2-40B4-BE49-F238E27FC236}">
-                <a16:creationId xmlns:a16="http://schemas.microsoft.com/office/drawing/2014/main" id="{28849ED8-D5D7-FBF6-9F83-B7FB7C7FC0F7}"/>
-              </a:ext>
-            </a:extLst>
-          </p:cNvPr>
-          <p:cNvPicPr>
-            <a:picLocks noChangeAspect="1"/>
-          </p:cNvPicPr>
-          <p:nvPr/>
-        </p:nvPicPr>
-        <p:blipFill>
-          <a:blip r:embed="rId2">
-            <a:extLst>
-              <a:ext uri="{28A0092B-C50C-407E-A947-70E740481C1C}">
-                <a14:useLocalDpi xmlns:a14="http://schemas.microsoft.com/office/drawing/2010/main" val="0"/>
-              </a:ext>
-            </a:extLst>
-          </a:blip>
-          <a:stretch>
-            <a:fillRect/>
-          </a:stretch>
-        </p:blipFill>
-        <p:spPr>
-          <a:xfrm>
-            <a:off x="3675354" y="1634549"/>
-            <a:ext cx="8263291" cy="3473164"/>
-          </a:xfrm>
-          <a:prstGeom prst="rect">
-            <a:avLst/>
-          </a:prstGeom>
-        </p:spPr>
-      </p:pic>
-      <p:sp>
-        <p:nvSpPr>
-          <p:cNvPr id="8" name="TextBox 7">
-            <a:extLst>
-              <a:ext uri="{FF2B5EF4-FFF2-40B4-BE49-F238E27FC236}">
-                <a16:creationId xmlns:a16="http://schemas.microsoft.com/office/drawing/2014/main" id="{3C65EB73-FD58-36AC-F564-F7CE1C0F4BDA}"/>
-              </a:ext>
-            </a:extLst>
-          </p:cNvPr>
-          <p:cNvSpPr txBox="1"/>
-          <p:nvPr/>
-        </p:nvSpPr>
-        <p:spPr>
-          <a:xfrm>
-            <a:off x="336679" y="1634549"/>
-            <a:ext cx="3158996" cy="3539430"/>
-          </a:xfrm>
-          <a:prstGeom prst="rect">
-            <a:avLst/>
-          </a:prstGeom>
-          <a:noFill/>
-        </p:spPr>
-        <p:txBody>
-          <a:bodyPr wrap="square">
-            <a:spAutoFit/>
-          </a:bodyPr>
-          <a:lstStyle/>
-          <a:p>
-            <a:r>
-              <a:rPr lang="en-US" sz="3200" dirty="0">
-                <a:solidFill>
-                  <a:schemeClr val="bg1"/>
-                </a:solidFill>
-              </a:rPr>
-              <a:t>1. Extremely  popular toilet (hot zone);</a:t>
-            </a:r>
-          </a:p>
-          <a:p>
-            <a:endParaRPr lang="en-US" sz="3200" dirty="0">
-              <a:solidFill>
-                <a:schemeClr val="bg1"/>
-              </a:solidFill>
-            </a:endParaRPr>
-          </a:p>
-          <a:p>
-            <a:r>
-              <a:rPr lang="en-US" sz="3200" dirty="0">
-                <a:solidFill>
-                  <a:schemeClr val="bg1"/>
-                </a:solidFill>
-              </a:rPr>
-              <a:t>2. Extremely unpopular (cold zone);</a:t>
-            </a:r>
-          </a:p>
-        </p:txBody>
-      </p:sp>
-    </p:spTree>
-    <p:extLst>
-      <p:ext uri="{BB962C8B-B14F-4D97-AF65-F5344CB8AC3E}">
-        <p14:creationId xmlns:p14="http://schemas.microsoft.com/office/powerpoint/2010/main" val="1463893391"/>
-      </p:ext>
-    </p:extLst>
-  </p:cSld>
-  <p:clrMapOvr>
-    <a:masterClrMapping/>
-  </p:clrMapOvr>
-</p:sld>
-</file>
-
 <file path=ppt/slides/slide6.xml><?xml version="1.0" encoding="utf-8"?>
 <p:sld xmlns:a="http://schemas.openxmlformats.org/drawingml/2006/main" xmlns:r="http://schemas.openxmlformats.org/officeDocument/2006/relationships" xmlns:p="http://schemas.openxmlformats.org/presentationml/2006/main">
   <p:cSld>
@@ -5318,7 +5356,7 @@
                   <a:schemeClr val="bg1"/>
                 </a:solidFill>
               </a:rPr>
-              <a:t>“Two toilets problem”</a:t>
+              <a:t>Why so many data collectors?</a:t>
             </a:r>
           </a:p>
         </p:txBody>
@@ -5337,8 +5375,8 @@
         </p:nvSpPr>
         <p:spPr>
           <a:xfrm>
-            <a:off x="336679" y="1350220"/>
-            <a:ext cx="11457215" cy="2308324"/>
+            <a:off x="336678" y="1350220"/>
+            <a:ext cx="11457215" cy="3970318"/>
           </a:xfrm>
           <a:prstGeom prst="rect">
             <a:avLst/>
@@ -5351,81 +5389,123 @@
           </a:bodyPr>
           <a:lstStyle/>
           <a:p>
-            <a:pPr algn="ctr"/>
-            <a:r>
-              <a:rPr lang="en-US" sz="2400" dirty="0">
-                <a:solidFill>
-                  <a:schemeClr val="bg1"/>
-                </a:solidFill>
-              </a:rPr>
-              <a:t>Why almost nobody was visiting one of the toilets?</a:t>
-            </a:r>
-          </a:p>
-          <a:p>
-            <a:endParaRPr lang="en-US" sz="2400" dirty="0">
+            <a:pPr marL="342900" indent="-342900">
+              <a:buAutoNum type="arabicPeriod"/>
+            </a:pPr>
+            <a:r>
+              <a:rPr lang="en-US" sz="2800" dirty="0">
+                <a:solidFill>
+                  <a:schemeClr val="bg1"/>
+                </a:solidFill>
+              </a:rPr>
+              <a:t>We can not trust just one source;</a:t>
+            </a:r>
+          </a:p>
+          <a:p>
+            <a:pPr marL="342900" indent="-342900">
+              <a:buAutoNum type="arabicPeriod"/>
+            </a:pPr>
+            <a:r>
+              <a:rPr lang="en-US" sz="2800" dirty="0">
+                <a:solidFill>
+                  <a:schemeClr val="bg1"/>
+                </a:solidFill>
+              </a:rPr>
+              <a:t>We can identify popular, but cold spots (</a:t>
+            </a:r>
+            <a:r>
+              <a:rPr lang="en-US" sz="2800" i="1" dirty="0">
+                <a:solidFill>
+                  <a:schemeClr val="bg1"/>
+                </a:solidFill>
+              </a:rPr>
+              <a:t>everyone is talking about a place, but nobody is visiting it</a:t>
+            </a:r>
+            <a:r>
+              <a:rPr lang="en-US" sz="2800" dirty="0">
+                <a:solidFill>
+                  <a:schemeClr val="bg1"/>
+                </a:solidFill>
+              </a:rPr>
+              <a:t>);</a:t>
+            </a:r>
+          </a:p>
+          <a:p>
+            <a:pPr marL="342900" indent="-342900">
+              <a:buAutoNum type="arabicPeriod"/>
+            </a:pPr>
+            <a:r>
+              <a:rPr lang="en-US" sz="2800" dirty="0">
+                <a:solidFill>
+                  <a:schemeClr val="bg1"/>
+                </a:solidFill>
+              </a:rPr>
+              <a:t>Large volumes of different data from sources will help to make different analyses:</a:t>
+            </a:r>
+          </a:p>
+          <a:p>
+            <a:pPr marL="800100" lvl="1" indent="-342900">
+              <a:buAutoNum type="arabicPeriod"/>
+            </a:pPr>
+            <a:r>
+              <a:rPr lang="en-US" sz="2800" dirty="0">
+                <a:solidFill>
+                  <a:schemeClr val="bg1"/>
+                </a:solidFill>
+              </a:rPr>
+              <a:t>Some people are interested in bars;</a:t>
+            </a:r>
+          </a:p>
+          <a:p>
+            <a:pPr marL="800100" lvl="1" indent="-342900">
+              <a:buAutoNum type="arabicPeriod"/>
+            </a:pPr>
+            <a:r>
+              <a:rPr lang="en-US" sz="2800" dirty="0">
+                <a:solidFill>
+                  <a:schemeClr val="bg1"/>
+                </a:solidFill>
+              </a:rPr>
+              <a:t>Some people are interested in museums;</a:t>
+            </a:r>
+          </a:p>
+          <a:p>
+            <a:pPr marL="800100" lvl="1" indent="-342900">
+              <a:buAutoNum type="arabicPeriod"/>
+            </a:pPr>
+            <a:r>
+              <a:rPr lang="en-US" sz="2800" dirty="0">
+                <a:solidFill>
+                  <a:schemeClr val="bg1"/>
+                </a:solidFill>
+              </a:rPr>
+              <a:t>Some people are interested in hiking; </a:t>
+            </a:r>
+          </a:p>
+          <a:p>
+            <a:pPr marL="800100" lvl="1" indent="-342900">
+              <a:buAutoNum type="arabicPeriod"/>
+            </a:pPr>
+            <a:r>
+              <a:rPr lang="en-US" sz="2800" dirty="0" err="1">
+                <a:solidFill>
+                  <a:schemeClr val="bg1"/>
+                </a:solidFill>
+              </a:rPr>
+              <a:t>etc</a:t>
+            </a:r>
+            <a:endParaRPr lang="en-US" sz="2800" dirty="0">
               <a:solidFill>
                 <a:schemeClr val="bg1"/>
               </a:solidFill>
             </a:endParaRPr>
           </a:p>
-          <a:p>
-            <a:r>
-              <a:rPr lang="en-US" sz="2400" dirty="0">
-                <a:solidFill>
-                  <a:schemeClr val="bg1"/>
-                </a:solidFill>
-              </a:rPr>
-              <a:t>The cold toilet was:</a:t>
-            </a:r>
-          </a:p>
-          <a:p>
-            <a:pPr marL="342900" indent="-342900">
-              <a:buFontTx/>
-              <a:buChar char="-"/>
-            </a:pPr>
-            <a:r>
-              <a:rPr lang="en-US" sz="2400" dirty="0">
-                <a:solidFill>
-                  <a:schemeClr val="bg1"/>
-                </a:solidFill>
-              </a:rPr>
-              <a:t>New;</a:t>
-            </a:r>
-          </a:p>
-          <a:p>
-            <a:pPr marL="342900" indent="-342900">
-              <a:buFontTx/>
-              <a:buChar char="-"/>
-            </a:pPr>
-            <a:r>
-              <a:rPr lang="en-US" sz="2400" dirty="0">
-                <a:solidFill>
-                  <a:schemeClr val="bg1"/>
-                </a:solidFill>
-              </a:rPr>
-              <a:t>Bigger;</a:t>
-            </a:r>
-          </a:p>
-          <a:p>
-            <a:pPr marL="342900" indent="-342900">
-              <a:buFontTx/>
-              <a:buChar char="-"/>
-            </a:pPr>
-            <a:r>
-              <a:rPr lang="en-US" sz="2400" dirty="0">
-                <a:solidFill>
-                  <a:schemeClr val="bg1"/>
-                </a:solidFill>
-              </a:rPr>
-              <a:t>Better;</a:t>
-            </a:r>
-          </a:p>
         </p:txBody>
       </p:sp>
     </p:spTree>
     <p:extLst>
       <p:ext uri="{BB962C8B-B14F-4D97-AF65-F5344CB8AC3E}">
-        <p14:creationId xmlns:p14="http://schemas.microsoft.com/office/powerpoint/2010/main" val="3999162037"/>
+        <p14:creationId xmlns:p14="http://schemas.microsoft.com/office/powerpoint/2010/main" val="3136001929"/>
       </p:ext>
     </p:extLst>
   </p:cSld>

--- a/.presentation/analytics.pptx
+++ b/.presentation/analytics.pptx
@@ -5114,11 +5114,25 @@
               </a:rPr>
               <a:t>MapBox</a:t>
             </a:r>
-            <a:endParaRPr lang="en-US" dirty="0">
+            <a:endParaRPr lang="ru-RU" dirty="0">
               <a:solidFill>
                 <a:schemeClr val="tx1"/>
               </a:solidFill>
             </a:endParaRPr>
+          </a:p>
+          <a:p>
+            <a:pPr marL="285750" indent="-285750">
+              <a:buFontTx/>
+              <a:buChar char="-"/>
+            </a:pPr>
+            <a:r>
+              <a:rPr lang="en-US" dirty="0">
+                <a:solidFill>
+                  <a:schemeClr val="tx1"/>
+                </a:solidFill>
+              </a:rPr>
+              <a:t>Docker</a:t>
+            </a:r>
           </a:p>
         </p:txBody>
       </p:sp>
